--- a/BaoCao/BÁO CÁO ĐỒ ÁN.pptx
+++ b/BaoCao/BÁO CÁO ĐỒ ÁN.pptx
@@ -115,6 +115,11 @@
       </a:defRPr>
     </a:lvl9pPr>
   </p:defaultTextStyle>
+  <p:extLst>
+    <p:ext uri="{EFAFB233-063F-42B5-8137-9DF3F51BA10A}">
+      <p15:sldGuideLst xmlns:p15="http://schemas.microsoft.com/office/powerpoint/2012/main"/>
+    </p:ext>
+  </p:extLst>
 </p:presentation>
 </file>
 
@@ -392,7 +397,7 @@
           <a:p>
             <a:fld id="{A6BD485C-1FAA-488F-A83F-97854941B6FB}" type="datetimeFigureOut">
               <a:rPr lang="en-US" smtClean="0"/>
-              <a:t>6/2/2019</a:t>
+              <a:t>6/6/2019</a:t>
             </a:fld>
             <a:endParaRPr lang="en-US"/>
           </a:p>
@@ -455,13 +460,13 @@
   <p:clrMapOvr>
     <a:masterClrMapping/>
   </p:clrMapOvr>
-  <mc:AlternateContent xmlns:mc="http://schemas.openxmlformats.org/markup-compatibility/2006">
-    <mc:Choice xmlns:p159="http://schemas.microsoft.com/office/powerpoint/2015/09/main" Requires="p159">
+  <mc:AlternateContent xmlns:mc="http://schemas.openxmlformats.org/markup-compatibility/2006" xmlns:p159="http://schemas.microsoft.com/office/powerpoint/2015/09/main">
+    <mc:Choice Requires="p159">
       <p:transition spd="slow">
         <p159:morph option="byObject"/>
       </p:transition>
     </mc:Choice>
-    <mc:Fallback>
+    <mc:Fallback xmlns="">
       <p:transition spd="slow">
         <p:fade/>
       </p:transition>
@@ -818,7 +823,7 @@
           <a:p>
             <a:fld id="{A6BD485C-1FAA-488F-A83F-97854941B6FB}" type="datetimeFigureOut">
               <a:rPr lang="en-US" smtClean="0"/>
-              <a:t>6/2/2019</a:t>
+              <a:t>6/6/2019</a:t>
             </a:fld>
             <a:endParaRPr lang="en-US"/>
           </a:p>
@@ -881,13 +886,13 @@
   <p:clrMapOvr>
     <a:masterClrMapping/>
   </p:clrMapOvr>
-  <mc:AlternateContent xmlns:mc="http://schemas.openxmlformats.org/markup-compatibility/2006">
-    <mc:Choice xmlns:p159="http://schemas.microsoft.com/office/powerpoint/2015/09/main" Requires="p159">
+  <mc:AlternateContent xmlns:mc="http://schemas.openxmlformats.org/markup-compatibility/2006" xmlns:p159="http://schemas.microsoft.com/office/powerpoint/2015/09/main">
+    <mc:Choice Requires="p159">
       <p:transition spd="slow">
         <p159:morph option="byObject"/>
       </p:transition>
     </mc:Choice>
-    <mc:Fallback>
+    <mc:Fallback xmlns="">
       <p:transition spd="slow">
         <p:fade/>
       </p:transition>
@@ -1166,7 +1171,7 @@
           <a:p>
             <a:fld id="{A6BD485C-1FAA-488F-A83F-97854941B6FB}" type="datetimeFigureOut">
               <a:rPr lang="en-US" smtClean="0"/>
-              <a:t>6/2/2019</a:t>
+              <a:t>6/6/2019</a:t>
             </a:fld>
             <a:endParaRPr lang="en-US"/>
           </a:p>
@@ -1229,13 +1234,13 @@
   <p:clrMapOvr>
     <a:masterClrMapping/>
   </p:clrMapOvr>
-  <mc:AlternateContent xmlns:mc="http://schemas.openxmlformats.org/markup-compatibility/2006">
-    <mc:Choice xmlns:p159="http://schemas.microsoft.com/office/powerpoint/2015/09/main" Requires="p159">
+  <mc:AlternateContent xmlns:mc="http://schemas.openxmlformats.org/markup-compatibility/2006" xmlns:p159="http://schemas.microsoft.com/office/powerpoint/2015/09/main">
+    <mc:Choice Requires="p159">
       <p:transition spd="slow">
         <p159:morph option="byObject"/>
       </p:transition>
     </mc:Choice>
-    <mc:Fallback>
+    <mc:Fallback xmlns="">
       <p:transition spd="slow">
         <p:fade/>
       </p:transition>
@@ -1583,7 +1588,7 @@
           <a:p>
             <a:fld id="{A6BD485C-1FAA-488F-A83F-97854941B6FB}" type="datetimeFigureOut">
               <a:rPr lang="en-US" smtClean="0"/>
-              <a:t>6/2/2019</a:t>
+              <a:t>6/6/2019</a:t>
             </a:fld>
             <a:endParaRPr lang="en-US"/>
           </a:p>
@@ -1878,13 +1883,13 @@
   <p:clrMapOvr>
     <a:masterClrMapping/>
   </p:clrMapOvr>
-  <mc:AlternateContent xmlns:mc="http://schemas.openxmlformats.org/markup-compatibility/2006">
-    <mc:Choice xmlns:p159="http://schemas.microsoft.com/office/powerpoint/2015/09/main" Requires="p159">
+  <mc:AlternateContent xmlns:mc="http://schemas.openxmlformats.org/markup-compatibility/2006" xmlns:p159="http://schemas.microsoft.com/office/powerpoint/2015/09/main">
+    <mc:Choice Requires="p159">
       <p:transition spd="slow">
         <p159:morph option="byObject"/>
       </p:transition>
     </mc:Choice>
-    <mc:Fallback>
+    <mc:Fallback xmlns="">
       <p:transition spd="slow">
         <p:fade/>
       </p:transition>
@@ -2163,7 +2168,7 @@
           <a:p>
             <a:fld id="{A6BD485C-1FAA-488F-A83F-97854941B6FB}" type="datetimeFigureOut">
               <a:rPr lang="en-US" smtClean="0"/>
-              <a:t>6/2/2019</a:t>
+              <a:t>6/6/2019</a:t>
             </a:fld>
             <a:endParaRPr lang="en-US"/>
           </a:p>
@@ -2226,13 +2231,13 @@
   <p:clrMapOvr>
     <a:masterClrMapping/>
   </p:clrMapOvr>
-  <mc:AlternateContent xmlns:mc="http://schemas.openxmlformats.org/markup-compatibility/2006">
-    <mc:Choice xmlns:p159="http://schemas.microsoft.com/office/powerpoint/2015/09/main" Requires="p159">
+  <mc:AlternateContent xmlns:mc="http://schemas.openxmlformats.org/markup-compatibility/2006" xmlns:p159="http://schemas.microsoft.com/office/powerpoint/2015/09/main">
+    <mc:Choice Requires="p159">
       <p:transition spd="slow">
         <p159:morph option="byObject"/>
       </p:transition>
     </mc:Choice>
-    <mc:Fallback>
+    <mc:Fallback xmlns="">
       <p:transition spd="slow">
         <p:fade/>
       </p:transition>
@@ -2856,7 +2861,7 @@
           <a:p>
             <a:fld id="{A6BD485C-1FAA-488F-A83F-97854941B6FB}" type="datetimeFigureOut">
               <a:rPr lang="en-US" smtClean="0"/>
-              <a:t>6/2/2019</a:t>
+              <a:t>6/6/2019</a:t>
             </a:fld>
             <a:endParaRPr lang="en-US"/>
           </a:p>
@@ -2914,13 +2919,13 @@
   <p:clrMapOvr>
     <a:masterClrMapping/>
   </p:clrMapOvr>
-  <mc:AlternateContent xmlns:mc="http://schemas.openxmlformats.org/markup-compatibility/2006">
-    <mc:Choice xmlns:p159="http://schemas.microsoft.com/office/powerpoint/2015/09/main" Requires="p159">
+  <mc:AlternateContent xmlns:mc="http://schemas.openxmlformats.org/markup-compatibility/2006" xmlns:p159="http://schemas.microsoft.com/office/powerpoint/2015/09/main">
+    <mc:Choice Requires="p159">
       <p:transition spd="slow">
         <p159:morph option="byObject"/>
       </p:transition>
     </mc:Choice>
-    <mc:Fallback>
+    <mc:Fallback xmlns="">
       <p:transition spd="slow">
         <p:fade/>
       </p:transition>
@@ -3781,7 +3786,7 @@
           <a:p>
             <a:fld id="{A6BD485C-1FAA-488F-A83F-97854941B6FB}" type="datetimeFigureOut">
               <a:rPr lang="en-US" smtClean="0"/>
-              <a:t>6/2/2019</a:t>
+              <a:t>6/6/2019</a:t>
             </a:fld>
             <a:endParaRPr lang="en-US"/>
           </a:p>
@@ -3839,13 +3844,13 @@
   <p:clrMapOvr>
     <a:masterClrMapping/>
   </p:clrMapOvr>
-  <mc:AlternateContent xmlns:mc="http://schemas.openxmlformats.org/markup-compatibility/2006">
-    <mc:Choice xmlns:p159="http://schemas.microsoft.com/office/powerpoint/2015/09/main" Requires="p159">
+  <mc:AlternateContent xmlns:mc="http://schemas.openxmlformats.org/markup-compatibility/2006" xmlns:p159="http://schemas.microsoft.com/office/powerpoint/2015/09/main">
+    <mc:Choice Requires="p159">
       <p:transition spd="slow">
         <p159:morph option="byObject"/>
       </p:transition>
     </mc:Choice>
-    <mc:Fallback>
+    <mc:Fallback xmlns="">
       <p:transition spd="slow">
         <p:fade/>
       </p:transition>
@@ -4106,7 +4111,7 @@
           <a:p>
             <a:fld id="{A6BD485C-1FAA-488F-A83F-97854941B6FB}" type="datetimeFigureOut">
               <a:rPr lang="en-US" smtClean="0"/>
-              <a:t>6/2/2019</a:t>
+              <a:t>6/6/2019</a:t>
             </a:fld>
             <a:endParaRPr lang="en-US"/>
           </a:p>
@@ -4164,13 +4169,13 @@
   <p:clrMapOvr>
     <a:masterClrMapping/>
   </p:clrMapOvr>
-  <mc:AlternateContent xmlns:mc="http://schemas.openxmlformats.org/markup-compatibility/2006">
-    <mc:Choice xmlns:p159="http://schemas.microsoft.com/office/powerpoint/2015/09/main" Requires="p159">
+  <mc:AlternateContent xmlns:mc="http://schemas.openxmlformats.org/markup-compatibility/2006" xmlns:p159="http://schemas.microsoft.com/office/powerpoint/2015/09/main">
+    <mc:Choice Requires="p159">
       <p:transition spd="slow">
         <p159:morph option="byObject"/>
       </p:transition>
     </mc:Choice>
-    <mc:Fallback>
+    <mc:Fallback xmlns="">
       <p:transition spd="slow">
         <p:fade/>
       </p:transition>
@@ -4382,7 +4387,7 @@
           <a:p>
             <a:fld id="{A6BD485C-1FAA-488F-A83F-97854941B6FB}" type="datetimeFigureOut">
               <a:rPr lang="en-US" smtClean="0"/>
-              <a:t>6/2/2019</a:t>
+              <a:t>6/6/2019</a:t>
             </a:fld>
             <a:endParaRPr lang="en-US"/>
           </a:p>
@@ -4454,13 +4459,13 @@
   <p:clrMapOvr>
     <a:masterClrMapping/>
   </p:clrMapOvr>
-  <mc:AlternateContent xmlns:mc="http://schemas.openxmlformats.org/markup-compatibility/2006">
-    <mc:Choice xmlns:p159="http://schemas.microsoft.com/office/powerpoint/2015/09/main" Requires="p159">
+  <mc:AlternateContent xmlns:mc="http://schemas.openxmlformats.org/markup-compatibility/2006" xmlns:p159="http://schemas.microsoft.com/office/powerpoint/2015/09/main">
+    <mc:Choice Requires="p159">
       <p:transition spd="slow">
         <p159:morph option="byObject"/>
       </p:transition>
     </mc:Choice>
-    <mc:Fallback>
+    <mc:Fallback xmlns="">
       <p:transition spd="slow">
         <p:fade/>
       </p:transition>
@@ -4717,7 +4722,7 @@
           <a:p>
             <a:fld id="{A6BD485C-1FAA-488F-A83F-97854941B6FB}" type="datetimeFigureOut">
               <a:rPr lang="en-US" smtClean="0"/>
-              <a:t>6/2/2019</a:t>
+              <a:t>6/6/2019</a:t>
             </a:fld>
             <a:endParaRPr lang="en-US"/>
           </a:p>
@@ -4775,13 +4780,13 @@
   <p:clrMapOvr>
     <a:masterClrMapping/>
   </p:clrMapOvr>
-  <mc:AlternateContent xmlns:mc="http://schemas.openxmlformats.org/markup-compatibility/2006">
-    <mc:Choice xmlns:p159="http://schemas.microsoft.com/office/powerpoint/2015/09/main" Requires="p159">
+  <mc:AlternateContent xmlns:mc="http://schemas.openxmlformats.org/markup-compatibility/2006" xmlns:p159="http://schemas.microsoft.com/office/powerpoint/2015/09/main">
+    <mc:Choice Requires="p159">
       <p:transition spd="slow">
         <p159:morph option="byObject"/>
       </p:transition>
     </mc:Choice>
-    <mc:Fallback>
+    <mc:Fallback xmlns="">
       <p:transition spd="slow">
         <p:fade/>
       </p:transition>
@@ -5118,7 +5123,7 @@
           <a:p>
             <a:fld id="{A6BD485C-1FAA-488F-A83F-97854941B6FB}" type="datetimeFigureOut">
               <a:rPr lang="en-US" smtClean="0"/>
-              <a:t>6/2/2019</a:t>
+              <a:t>6/6/2019</a:t>
             </a:fld>
             <a:endParaRPr lang="en-US"/>
           </a:p>
@@ -5181,13 +5186,13 @@
   <p:clrMapOvr>
     <a:masterClrMapping/>
   </p:clrMapOvr>
-  <mc:AlternateContent xmlns:mc="http://schemas.openxmlformats.org/markup-compatibility/2006">
-    <mc:Choice xmlns:p159="http://schemas.microsoft.com/office/powerpoint/2015/09/main" Requires="p159">
+  <mc:AlternateContent xmlns:mc="http://schemas.openxmlformats.org/markup-compatibility/2006" xmlns:p159="http://schemas.microsoft.com/office/powerpoint/2015/09/main">
+    <mc:Choice Requires="p159">
       <p:transition spd="slow">
         <p159:morph option="byObject"/>
       </p:transition>
     </mc:Choice>
-    <mc:Fallback>
+    <mc:Fallback xmlns="">
       <p:transition spd="slow">
         <p:fade/>
       </p:transition>
@@ -5506,7 +5511,7 @@
           <a:p>
             <a:fld id="{A6BD485C-1FAA-488F-A83F-97854941B6FB}" type="datetimeFigureOut">
               <a:rPr lang="en-US" smtClean="0"/>
-              <a:t>6/2/2019</a:t>
+              <a:t>6/6/2019</a:t>
             </a:fld>
             <a:endParaRPr lang="en-US"/>
           </a:p>
@@ -5564,13 +5569,13 @@
   <p:clrMapOvr>
     <a:masterClrMapping/>
   </p:clrMapOvr>
-  <mc:AlternateContent xmlns:mc="http://schemas.openxmlformats.org/markup-compatibility/2006">
-    <mc:Choice xmlns:p159="http://schemas.microsoft.com/office/powerpoint/2015/09/main" Requires="p159">
+  <mc:AlternateContent xmlns:mc="http://schemas.openxmlformats.org/markup-compatibility/2006" xmlns:p159="http://schemas.microsoft.com/office/powerpoint/2015/09/main">
+    <mc:Choice Requires="p159">
       <p:transition spd="slow">
         <p159:morph option="byObject"/>
       </p:transition>
     </mc:Choice>
-    <mc:Fallback>
+    <mc:Fallback xmlns="">
       <p:transition spd="slow">
         <p:fade/>
       </p:transition>
@@ -6024,7 +6029,7 @@
           <a:p>
             <a:fld id="{A6BD485C-1FAA-488F-A83F-97854941B6FB}" type="datetimeFigureOut">
               <a:rPr lang="en-US" smtClean="0"/>
-              <a:t>6/2/2019</a:t>
+              <a:t>6/6/2019</a:t>
             </a:fld>
             <a:endParaRPr lang="en-US"/>
           </a:p>
@@ -6082,13 +6087,13 @@
   <p:clrMapOvr>
     <a:masterClrMapping/>
   </p:clrMapOvr>
-  <mc:AlternateContent xmlns:mc="http://schemas.openxmlformats.org/markup-compatibility/2006">
-    <mc:Choice xmlns:p159="http://schemas.microsoft.com/office/powerpoint/2015/09/main" Requires="p159">
+  <mc:AlternateContent xmlns:mc="http://schemas.openxmlformats.org/markup-compatibility/2006" xmlns:p159="http://schemas.microsoft.com/office/powerpoint/2015/09/main">
+    <mc:Choice Requires="p159">
       <p:transition spd="slow">
         <p159:morph option="byObject"/>
       </p:transition>
     </mc:Choice>
-    <mc:Fallback>
+    <mc:Fallback xmlns="">
       <p:transition spd="slow">
         <p:fade/>
       </p:transition>
@@ -6293,7 +6298,7 @@
           <a:p>
             <a:fld id="{A6BD485C-1FAA-488F-A83F-97854941B6FB}" type="datetimeFigureOut">
               <a:rPr lang="en-US" smtClean="0"/>
-              <a:t>6/2/2019</a:t>
+              <a:t>6/6/2019</a:t>
             </a:fld>
             <a:endParaRPr lang="en-US"/>
           </a:p>
@@ -6351,13 +6356,13 @@
   <p:clrMapOvr>
     <a:masterClrMapping/>
   </p:clrMapOvr>
-  <mc:AlternateContent xmlns:mc="http://schemas.openxmlformats.org/markup-compatibility/2006">
-    <mc:Choice xmlns:p159="http://schemas.microsoft.com/office/powerpoint/2015/09/main" Requires="p159">
+  <mc:AlternateContent xmlns:mc="http://schemas.openxmlformats.org/markup-compatibility/2006" xmlns:p159="http://schemas.microsoft.com/office/powerpoint/2015/09/main">
+    <mc:Choice Requires="p159">
       <p:transition spd="slow">
         <p159:morph option="byObject"/>
       </p:transition>
     </mc:Choice>
-    <mc:Fallback>
+    <mc:Fallback xmlns="">
       <p:transition spd="slow">
         <p:fade/>
       </p:transition>
@@ -6468,7 +6473,7 @@
           <a:p>
             <a:fld id="{A6BD485C-1FAA-488F-A83F-97854941B6FB}" type="datetimeFigureOut">
               <a:rPr lang="en-US" smtClean="0"/>
-              <a:t>6/2/2019</a:t>
+              <a:t>6/6/2019</a:t>
             </a:fld>
             <a:endParaRPr lang="en-US"/>
           </a:p>
@@ -6526,13 +6531,13 @@
   <p:clrMapOvr>
     <a:masterClrMapping/>
   </p:clrMapOvr>
-  <mc:AlternateContent xmlns:mc="http://schemas.openxmlformats.org/markup-compatibility/2006">
-    <mc:Choice xmlns:p159="http://schemas.microsoft.com/office/powerpoint/2015/09/main" Requires="p159">
+  <mc:AlternateContent xmlns:mc="http://schemas.openxmlformats.org/markup-compatibility/2006" xmlns:p159="http://schemas.microsoft.com/office/powerpoint/2015/09/main">
+    <mc:Choice Requires="p159">
       <p:transition spd="slow">
         <p159:morph option="byObject"/>
       </p:transition>
     </mc:Choice>
-    <mc:Fallback>
+    <mc:Fallback xmlns="">
       <p:transition spd="slow">
         <p:fade/>
       </p:transition>
@@ -6870,7 +6875,7 @@
           <a:p>
             <a:fld id="{A6BD485C-1FAA-488F-A83F-97854941B6FB}" type="datetimeFigureOut">
               <a:rPr lang="en-US" smtClean="0"/>
-              <a:t>6/2/2019</a:t>
+              <a:t>6/6/2019</a:t>
             </a:fld>
             <a:endParaRPr lang="en-US"/>
           </a:p>
@@ -6928,13 +6933,13 @@
   <p:clrMapOvr>
     <a:masterClrMapping/>
   </p:clrMapOvr>
-  <mc:AlternateContent xmlns:mc="http://schemas.openxmlformats.org/markup-compatibility/2006">
-    <mc:Choice xmlns:p159="http://schemas.microsoft.com/office/powerpoint/2015/09/main" Requires="p159">
+  <mc:AlternateContent xmlns:mc="http://schemas.openxmlformats.org/markup-compatibility/2006" xmlns:p159="http://schemas.microsoft.com/office/powerpoint/2015/09/main">
+    <mc:Choice Requires="p159">
       <p:transition spd="slow">
         <p159:morph option="byObject"/>
       </p:transition>
     </mc:Choice>
-    <mc:Fallback>
+    <mc:Fallback xmlns="">
       <p:transition spd="slow">
         <p:fade/>
       </p:transition>
@@ -7291,7 +7296,7 @@
           <a:p>
             <a:fld id="{A6BD485C-1FAA-488F-A83F-97854941B6FB}" type="datetimeFigureOut">
               <a:rPr lang="en-US" smtClean="0"/>
-              <a:t>6/2/2019</a:t>
+              <a:t>6/6/2019</a:t>
             </a:fld>
             <a:endParaRPr lang="en-US"/>
           </a:p>
@@ -7349,13 +7354,13 @@
   <p:clrMapOvr>
     <a:masterClrMapping/>
   </p:clrMapOvr>
-  <mc:AlternateContent xmlns:mc="http://schemas.openxmlformats.org/markup-compatibility/2006">
-    <mc:Choice xmlns:p159="http://schemas.microsoft.com/office/powerpoint/2015/09/main" Requires="p159">
+  <mc:AlternateContent xmlns:mc="http://schemas.openxmlformats.org/markup-compatibility/2006" xmlns:p159="http://schemas.microsoft.com/office/powerpoint/2015/09/main">
+    <mc:Choice Requires="p159">
       <p:transition spd="slow">
         <p159:morph option="byObject"/>
       </p:transition>
     </mc:Choice>
-    <mc:Fallback>
+    <mc:Fallback xmlns="">
       <p:transition spd="slow">
         <p:fade/>
       </p:transition>
@@ -7547,7 +7552,7 @@
           <a:p>
             <a:fld id="{A6BD485C-1FAA-488F-A83F-97854941B6FB}" type="datetimeFigureOut">
               <a:rPr lang="en-US" smtClean="0"/>
-              <a:t>6/2/2019</a:t>
+              <a:t>6/6/2019</a:t>
             </a:fld>
             <a:endParaRPr lang="en-US"/>
           </a:p>
@@ -7658,13 +7663,13 @@
     <p:sldLayoutId id="2147483962" r:id="rId16"/>
     <p:sldLayoutId id="2147483963" r:id="rId17"/>
   </p:sldLayoutIdLst>
-  <mc:AlternateContent xmlns:mc="http://schemas.openxmlformats.org/markup-compatibility/2006">
-    <mc:Choice xmlns:p159="http://schemas.microsoft.com/office/powerpoint/2015/09/main" Requires="p159">
+  <mc:AlternateContent xmlns:mc="http://schemas.openxmlformats.org/markup-compatibility/2006" xmlns:p159="http://schemas.microsoft.com/office/powerpoint/2015/09/main">
+    <mc:Choice Requires="p159">
       <p:transition spd="slow">
         <p159:morph option="byObject"/>
       </p:transition>
     </mc:Choice>
-    <mc:Fallback>
+    <mc:Fallback xmlns="">
       <p:transition spd="slow">
         <p:fade/>
       </p:transition>
@@ -8630,12 +8635,20 @@
               <a:t>Học</a:t>
             </a:r>
             <a:r>
+              <a:rPr lang="en-US" sz="1800">
+                <a:latin typeface="Tahoma" panose="020B0604030504040204" pitchFamily="34" charset="0"/>
+                <a:ea typeface="Tahoma" panose="020B0604030504040204" pitchFamily="34" charset="0"/>
+                <a:cs typeface="Tahoma" panose="020B0604030504040204" pitchFamily="34" charset="0"/>
+              </a:rPr>
+              <a:t>    </a:t>
+            </a:r>
+            <a:r>
               <a:rPr lang="en-US" sz="1800" dirty="0">
                 <a:latin typeface="Tahoma" panose="020B0604030504040204" pitchFamily="34" charset="0"/>
                 <a:ea typeface="Tahoma" panose="020B0604030504040204" pitchFamily="34" charset="0"/>
                 <a:cs typeface="Tahoma" panose="020B0604030504040204" pitchFamily="34" charset="0"/>
               </a:rPr>
-              <a:t>   16NH11C (16T1)</a:t>
+              <a:t>16NH11C (16T1)</a:t>
             </a:r>
           </a:p>
           <a:p>
@@ -8741,13 +8754,13 @@
   <p:clrMapOvr>
     <a:masterClrMapping/>
   </p:clrMapOvr>
-  <mc:AlternateContent xmlns:mc="http://schemas.openxmlformats.org/markup-compatibility/2006">
-    <mc:Choice xmlns:p159="http://schemas.microsoft.com/office/powerpoint/2015/09/main" Requires="p159">
+  <mc:AlternateContent xmlns:mc="http://schemas.openxmlformats.org/markup-compatibility/2006" xmlns:p159="http://schemas.microsoft.com/office/powerpoint/2015/09/main">
+    <mc:Choice Requires="p159">
       <p:transition spd="slow">
         <p159:morph option="byObject"/>
       </p:transition>
     </mc:Choice>
-    <mc:Fallback>
+    <mc:Fallback xmlns="">
       <p:transition spd="slow">
         <p:fade/>
       </p:transition>
@@ -10663,13 +10676,13 @@
   <p:clrMapOvr>
     <a:masterClrMapping/>
   </p:clrMapOvr>
-  <mc:AlternateContent xmlns:mc="http://schemas.openxmlformats.org/markup-compatibility/2006">
-    <mc:Choice xmlns:p159="http://schemas.microsoft.com/office/powerpoint/2015/09/main" Requires="p159">
+  <mc:AlternateContent xmlns:mc="http://schemas.openxmlformats.org/markup-compatibility/2006" xmlns:p159="http://schemas.microsoft.com/office/powerpoint/2015/09/main">
+    <mc:Choice Requires="p159">
       <p:transition spd="slow">
         <p159:morph option="byObject"/>
       </p:transition>
     </mc:Choice>
-    <mc:Fallback>
+    <mc:Fallback xmlns="">
       <p:transition spd="slow">
         <p:fade/>
       </p:transition>
@@ -12244,13 +12257,13 @@
   <p:clrMapOvr>
     <a:masterClrMapping/>
   </p:clrMapOvr>
-  <mc:AlternateContent xmlns:mc="http://schemas.openxmlformats.org/markup-compatibility/2006">
-    <mc:Choice xmlns:p159="http://schemas.microsoft.com/office/powerpoint/2015/09/main" Requires="p159">
+  <mc:AlternateContent xmlns:mc="http://schemas.openxmlformats.org/markup-compatibility/2006" xmlns:p159="http://schemas.microsoft.com/office/powerpoint/2015/09/main">
+    <mc:Choice Requires="p159">
       <p:transition spd="slow">
         <p159:morph option="byObject"/>
       </p:transition>
     </mc:Choice>
-    <mc:Fallback>
+    <mc:Fallback xmlns="">
       <p:transition spd="slow">
         <p:fade/>
       </p:transition>
@@ -12413,13 +12426,13 @@
   <p:clrMapOvr>
     <a:masterClrMapping/>
   </p:clrMapOvr>
-  <mc:AlternateContent xmlns:mc="http://schemas.openxmlformats.org/markup-compatibility/2006">
-    <mc:Choice xmlns:p159="http://schemas.microsoft.com/office/powerpoint/2015/09/main" Requires="p159">
+  <mc:AlternateContent xmlns:mc="http://schemas.openxmlformats.org/markup-compatibility/2006" xmlns:p159="http://schemas.microsoft.com/office/powerpoint/2015/09/main">
+    <mc:Choice Requires="p159">
       <p:transition spd="slow">
         <p159:morph option="byObject"/>
       </p:transition>
     </mc:Choice>
-    <mc:Fallback>
+    <mc:Fallback xmlns="">
       <p:transition spd="slow">
         <p:fade/>
       </p:transition>
@@ -12966,13 +12979,13 @@
   <p:clrMapOvr>
     <a:masterClrMapping/>
   </p:clrMapOvr>
-  <mc:AlternateContent xmlns:mc="http://schemas.openxmlformats.org/markup-compatibility/2006">
-    <mc:Choice xmlns:p159="http://schemas.microsoft.com/office/powerpoint/2015/09/main" Requires="p159">
+  <mc:AlternateContent xmlns:mc="http://schemas.openxmlformats.org/markup-compatibility/2006" xmlns:p159="http://schemas.microsoft.com/office/powerpoint/2015/09/main">
+    <mc:Choice Requires="p159">
       <p:transition spd="slow">
         <p159:morph option="byObject"/>
       </p:transition>
     </mc:Choice>
-    <mc:Fallback>
+    <mc:Fallback xmlns="">
       <p:transition spd="slow">
         <p:fade/>
       </p:transition>
@@ -13847,13 +13860,13 @@
   <p:clrMapOvr>
     <a:masterClrMapping/>
   </p:clrMapOvr>
-  <mc:AlternateContent xmlns:mc="http://schemas.openxmlformats.org/markup-compatibility/2006">
-    <mc:Choice xmlns:p159="http://schemas.microsoft.com/office/powerpoint/2015/09/main" Requires="p159">
+  <mc:AlternateContent xmlns:mc="http://schemas.openxmlformats.org/markup-compatibility/2006" xmlns:p159="http://schemas.microsoft.com/office/powerpoint/2015/09/main">
+    <mc:Choice Requires="p159">
       <p:transition spd="slow">
         <p159:morph option="byObject"/>
       </p:transition>
     </mc:Choice>
-    <mc:Fallback>
+    <mc:Fallback xmlns="">
       <p:transition spd="slow">
         <p:fade/>
       </p:transition>
@@ -16242,13 +16255,13 @@
   <p:clrMapOvr>
     <a:masterClrMapping/>
   </p:clrMapOvr>
-  <mc:AlternateContent xmlns:mc="http://schemas.openxmlformats.org/markup-compatibility/2006">
-    <mc:Choice xmlns:p159="http://schemas.microsoft.com/office/powerpoint/2015/09/main" Requires="p159">
+  <mc:AlternateContent xmlns:mc="http://schemas.openxmlformats.org/markup-compatibility/2006" xmlns:p159="http://schemas.microsoft.com/office/powerpoint/2015/09/main">
+    <mc:Choice Requires="p159">
       <p:transition spd="slow">
         <p159:morph option="byObject"/>
       </p:transition>
     </mc:Choice>
-    <mc:Fallback>
+    <mc:Fallback xmlns="">
       <p:transition spd="slow">
         <p:fade/>
       </p:transition>
@@ -17398,13 +17411,13 @@
   <p:clrMapOvr>
     <a:masterClrMapping/>
   </p:clrMapOvr>
-  <mc:AlternateContent xmlns:mc="http://schemas.openxmlformats.org/markup-compatibility/2006">
-    <mc:Choice xmlns:p159="http://schemas.microsoft.com/office/powerpoint/2015/09/main" Requires="p159">
+  <mc:AlternateContent xmlns:mc="http://schemas.openxmlformats.org/markup-compatibility/2006" xmlns:p159="http://schemas.microsoft.com/office/powerpoint/2015/09/main">
+    <mc:Choice Requires="p159">
       <p:transition spd="slow">
         <p159:morph option="byObject"/>
       </p:transition>
     </mc:Choice>
-    <mc:Fallback>
+    <mc:Fallback xmlns="">
       <p:transition spd="slow">
         <p:fade/>
       </p:transition>
@@ -18197,13 +18210,13 @@
   <p:clrMapOvr>
     <a:masterClrMapping/>
   </p:clrMapOvr>
-  <mc:AlternateContent xmlns:mc="http://schemas.openxmlformats.org/markup-compatibility/2006">
-    <mc:Choice xmlns:p159="http://schemas.microsoft.com/office/powerpoint/2015/09/main" Requires="p159">
+  <mc:AlternateContent xmlns:mc="http://schemas.openxmlformats.org/markup-compatibility/2006" xmlns:p159="http://schemas.microsoft.com/office/powerpoint/2015/09/main">
+    <mc:Choice Requires="p159">
       <p:transition spd="slow">
         <p159:morph option="byObject"/>
       </p:transition>
     </mc:Choice>
-    <mc:Fallback>
+    <mc:Fallback xmlns="">
       <p:transition spd="slow">
         <p:fade/>
       </p:transition>
@@ -18423,13 +18436,13 @@
   <p:clrMapOvr>
     <a:masterClrMapping/>
   </p:clrMapOvr>
-  <mc:AlternateContent xmlns:mc="http://schemas.openxmlformats.org/markup-compatibility/2006">
-    <mc:Choice xmlns:p159="http://schemas.microsoft.com/office/powerpoint/2015/09/main" Requires="p159">
+  <mc:AlternateContent xmlns:mc="http://schemas.openxmlformats.org/markup-compatibility/2006" xmlns:p159="http://schemas.microsoft.com/office/powerpoint/2015/09/main">
+    <mc:Choice Requires="p159">
       <p:transition spd="slow">
         <p159:morph option="byObject"/>
       </p:transition>
     </mc:Choice>
-    <mc:Fallback>
+    <mc:Fallback xmlns="">
       <p:transition spd="slow">
         <p:fade/>
       </p:transition>
@@ -18649,13 +18662,13 @@
   <p:clrMapOvr>
     <a:masterClrMapping/>
   </p:clrMapOvr>
-  <mc:AlternateContent xmlns:mc="http://schemas.openxmlformats.org/markup-compatibility/2006">
-    <mc:Choice xmlns:p159="http://schemas.microsoft.com/office/powerpoint/2015/09/main" Requires="p159">
+  <mc:AlternateContent xmlns:mc="http://schemas.openxmlformats.org/markup-compatibility/2006" xmlns:p159="http://schemas.microsoft.com/office/powerpoint/2015/09/main">
+    <mc:Choice Requires="p159">
       <p:transition spd="slow">
         <p159:morph option="byObject"/>
       </p:transition>
     </mc:Choice>
-    <mc:Fallback>
+    <mc:Fallback xmlns="">
       <p:transition spd="slow">
         <p:fade/>
       </p:transition>
@@ -18946,13 +18959,13 @@
   <p:clrMapOvr>
     <a:masterClrMapping/>
   </p:clrMapOvr>
-  <mc:AlternateContent xmlns:mc="http://schemas.openxmlformats.org/markup-compatibility/2006">
-    <mc:Choice xmlns:p159="http://schemas.microsoft.com/office/powerpoint/2015/09/main" Requires="p159">
+  <mc:AlternateContent xmlns:mc="http://schemas.openxmlformats.org/markup-compatibility/2006" xmlns:p159="http://schemas.microsoft.com/office/powerpoint/2015/09/main">
+    <mc:Choice Requires="p159">
       <p:transition spd="slow">
         <p159:morph option="byObject"/>
       </p:transition>
     </mc:Choice>
-    <mc:Fallback>
+    <mc:Fallback xmlns="">
       <p:transition spd="slow">
         <p:fade/>
       </p:transition>
